--- a/ENGL317/Project2/Project2SlideShow.pptx
+++ b/ENGL317/Project2/Project2SlideShow.pptx
@@ -5,19 +5,21 @@
     <p:sldMasterId id="2147483658" r:id="rId4"/>
   </p:sldMasterIdLst>
   <p:notesMasterIdLst>
-    <p:notesMasterId r:id="rId12"/>
+    <p:notesMasterId r:id="rId14"/>
   </p:notesMasterIdLst>
   <p:handoutMasterIdLst>
-    <p:handoutMasterId r:id="rId13"/>
+    <p:handoutMasterId r:id="rId15"/>
   </p:handoutMasterIdLst>
   <p:sldIdLst>
     <p:sldId id="410" r:id="rId5"/>
     <p:sldId id="383" r:id="rId6"/>
-    <p:sldId id="397" r:id="rId7"/>
-    <p:sldId id="415" r:id="rId8"/>
-    <p:sldId id="416" r:id="rId9"/>
-    <p:sldId id="417" r:id="rId10"/>
-    <p:sldId id="398" r:id="rId11"/>
+    <p:sldId id="389" r:id="rId7"/>
+    <p:sldId id="418" r:id="rId8"/>
+    <p:sldId id="419" r:id="rId9"/>
+    <p:sldId id="421" r:id="rId10"/>
+    <p:sldId id="417" r:id="rId11"/>
+    <p:sldId id="420" r:id="rId12"/>
+    <p:sldId id="398" r:id="rId13"/>
   </p:sldIdLst>
   <p:sldSz cx="12192000" cy="6858000"/>
   <p:notesSz cx="6858000" cy="9144000"/>
@@ -850,10 +852,94 @@
   <p:cSld>
     <p:spTree>
       <p:nvGrpSpPr>
+        <p:cNvPr id="1" name=""/>
+        <p:cNvGrpSpPr/>
+        <p:nvPr/>
+      </p:nvGrpSpPr>
+      <p:grpSpPr>
+        <a:xfrm>
+          <a:off x="0" y="0"/>
+          <a:ext cx="0" cy="0"/>
+          <a:chOff x="0" y="0"/>
+          <a:chExt cx="0" cy="0"/>
+        </a:xfrm>
+      </p:grpSpPr>
+      <p:sp>
+        <p:nvSpPr>
+          <p:cNvPr id="2" name="Slide Image Placeholder 1"/>
+          <p:cNvSpPr>
+            <a:spLocks noGrp="1" noRot="1" noChangeAspect="1"/>
+          </p:cNvSpPr>
+          <p:nvPr>
+            <p:ph type="sldImg"/>
+          </p:nvPr>
+        </p:nvSpPr>
+        <p:spPr/>
+      </p:sp>
+      <p:sp>
+        <p:nvSpPr>
+          <p:cNvPr id="3" name="Notes Placeholder 2"/>
+          <p:cNvSpPr>
+            <a:spLocks noGrp="1"/>
+          </p:cNvSpPr>
+          <p:nvPr>
+            <p:ph type="body" idx="1"/>
+          </p:nvPr>
+        </p:nvSpPr>
+        <p:spPr/>
+        <p:txBody>
+          <a:bodyPr/>
+          <a:lstStyle/>
+          <a:p>
+            <a:endParaRPr lang="en-US" dirty="0"/>
+          </a:p>
+        </p:txBody>
+      </p:sp>
+      <p:sp>
+        <p:nvSpPr>
+          <p:cNvPr id="4" name="Slide Number Placeholder 3"/>
+          <p:cNvSpPr>
+            <a:spLocks noGrp="1"/>
+          </p:cNvSpPr>
+          <p:nvPr>
+            <p:ph type="sldNum" sz="quarter" idx="5"/>
+          </p:nvPr>
+        </p:nvSpPr>
+        <p:spPr/>
+        <p:txBody>
+          <a:bodyPr/>
+          <a:lstStyle/>
+          <a:p>
+            <a:fld id="{A89C7E07-3C67-C64C-8DA0-0404F6303970}" type="slidenum">
+              <a:rPr lang="en-US" smtClean="0"/>
+              <a:t>3</a:t>
+            </a:fld>
+            <a:endParaRPr lang="en-US" dirty="0"/>
+          </a:p>
+        </p:txBody>
+      </p:sp>
+    </p:spTree>
+    <p:extLst>
+      <p:ext uri="{BB962C8B-B14F-4D97-AF65-F5344CB8AC3E}">
+        <p14:creationId xmlns:p14="http://schemas.microsoft.com/office/powerpoint/2010/main" val="3576248012"/>
+      </p:ext>
+    </p:extLst>
+  </p:cSld>
+  <p:clrMapOvr>
+    <a:masterClrMapping/>
+  </p:clrMapOvr>
+</p:notes>
+</file>
+
+<file path=ppt/notesSlides/notesSlide4.xml><?xml version="1.0" encoding="utf-8"?>
+<p:notes xmlns:a="http://schemas.openxmlformats.org/drawingml/2006/main" xmlns:r="http://schemas.openxmlformats.org/officeDocument/2006/relationships" xmlns:p="http://schemas.openxmlformats.org/presentationml/2006/main">
+  <p:cSld>
+    <p:spTree>
+      <p:nvGrpSpPr>
         <p:cNvPr id="1" name="">
           <a:extLst>
             <a:ext uri="{FF2B5EF4-FFF2-40B4-BE49-F238E27FC236}">
-              <a16:creationId xmlns:a16="http://schemas.microsoft.com/office/drawing/2014/main" id="{14BBC04D-2568-C19F-6211-ABA7996CBC5B}"/>
+              <a16:creationId xmlns:a16="http://schemas.microsoft.com/office/drawing/2014/main" id="{6DE30DA6-9C33-D0B7-CE0C-71C00AB530F1}"/>
             </a:ext>
           </a:extLst>
         </p:cNvPr>
@@ -873,7 +959,7 @@
           <p:cNvPr id="2" name="Slide Image Placeholder 1">
             <a:extLst>
               <a:ext uri="{FF2B5EF4-FFF2-40B4-BE49-F238E27FC236}">
-                <a16:creationId xmlns:a16="http://schemas.microsoft.com/office/drawing/2014/main" id="{BBBD96A4-D432-FA69-5E46-4DF91D77CA91}"/>
+                <a16:creationId xmlns:a16="http://schemas.microsoft.com/office/drawing/2014/main" id="{BD913195-00B6-4E1B-77A3-6E6564C955D4}"/>
               </a:ext>
             </a:extLst>
           </p:cNvPr>
@@ -891,7 +977,7 @@
           <p:cNvPr id="3" name="Notes Placeholder 2">
             <a:extLst>
               <a:ext uri="{FF2B5EF4-FFF2-40B4-BE49-F238E27FC236}">
-                <a16:creationId xmlns:a16="http://schemas.microsoft.com/office/drawing/2014/main" id="{EF639921-CFBB-DE6F-31EB-81B758CA0268}"/>
+                <a16:creationId xmlns:a16="http://schemas.microsoft.com/office/drawing/2014/main" id="{FBB1AAA1-7741-172A-2413-08AC3B25C331}"/>
               </a:ext>
             </a:extLst>
           </p:cNvPr>
@@ -916,7 +1002,7 @@
           <p:cNvPr id="4" name="Slide Number Placeholder 3">
             <a:extLst>
               <a:ext uri="{FF2B5EF4-FFF2-40B4-BE49-F238E27FC236}">
-                <a16:creationId xmlns:a16="http://schemas.microsoft.com/office/drawing/2014/main" id="{4453E3F8-8185-F97B-2F08-1F44FCE2A5AB}"/>
+                <a16:creationId xmlns:a16="http://schemas.microsoft.com/office/drawing/2014/main" id="{4428150E-3A8B-B1A7-6762-EA20E19543AA}"/>
               </a:ext>
             </a:extLst>
           </p:cNvPr>
@@ -934,7 +1020,7 @@
           <a:p>
             <a:fld id="{A89C7E07-3C67-C64C-8DA0-0404F6303970}" type="slidenum">
               <a:rPr lang="en-US" smtClean="0"/>
-              <a:t>3</a:t>
+              <a:t>4</a:t>
             </a:fld>
             <a:endParaRPr lang="en-US" dirty="0"/>
           </a:p>
@@ -943,7 +1029,7 @@
     </p:spTree>
     <p:extLst>
       <p:ext uri="{BB962C8B-B14F-4D97-AF65-F5344CB8AC3E}">
-        <p14:creationId xmlns:p14="http://schemas.microsoft.com/office/powerpoint/2010/main" val="3727777786"/>
+        <p14:creationId xmlns:p14="http://schemas.microsoft.com/office/powerpoint/2010/main" val="123764196"/>
       </p:ext>
     </p:extLst>
   </p:cSld>
@@ -953,7 +1039,7 @@
 </p:notes>
 </file>
 
-<file path=ppt/notesSlides/notesSlide4.xml><?xml version="1.0" encoding="utf-8"?>
+<file path=ppt/notesSlides/notesSlide5.xml><?xml version="1.0" encoding="utf-8"?>
 <p:notes xmlns:a="http://schemas.openxmlformats.org/drawingml/2006/main" xmlns:r="http://schemas.openxmlformats.org/officeDocument/2006/relationships" xmlns:p="http://schemas.openxmlformats.org/presentationml/2006/main">
   <p:cSld>
     <p:spTree>
@@ -961,7 +1047,7 @@
         <p:cNvPr id="1" name="">
           <a:extLst>
             <a:ext uri="{FF2B5EF4-FFF2-40B4-BE49-F238E27FC236}">
-              <a16:creationId xmlns:a16="http://schemas.microsoft.com/office/drawing/2014/main" id="{6FC6BB7D-B7F9-02EA-2AE9-6EA4F6DA4B45}"/>
+              <a16:creationId xmlns:a16="http://schemas.microsoft.com/office/drawing/2014/main" id="{38309F32-898E-70F3-A1EA-2967D55C963F}"/>
             </a:ext>
           </a:extLst>
         </p:cNvPr>
@@ -981,7 +1067,7 @@
           <p:cNvPr id="2" name="Slide Image Placeholder 1">
             <a:extLst>
               <a:ext uri="{FF2B5EF4-FFF2-40B4-BE49-F238E27FC236}">
-                <a16:creationId xmlns:a16="http://schemas.microsoft.com/office/drawing/2014/main" id="{6C33CCC8-4ABF-96A5-E229-E4AE8C4A350A}"/>
+                <a16:creationId xmlns:a16="http://schemas.microsoft.com/office/drawing/2014/main" id="{CF41E1F9-D476-BE1F-7316-E1D6293358EC}"/>
               </a:ext>
             </a:extLst>
           </p:cNvPr>
@@ -999,7 +1085,7 @@
           <p:cNvPr id="3" name="Notes Placeholder 2">
             <a:extLst>
               <a:ext uri="{FF2B5EF4-FFF2-40B4-BE49-F238E27FC236}">
-                <a16:creationId xmlns:a16="http://schemas.microsoft.com/office/drawing/2014/main" id="{93DAFB16-7577-F750-C8DF-2919EAAD15D4}"/>
+                <a16:creationId xmlns:a16="http://schemas.microsoft.com/office/drawing/2014/main" id="{6E4B36D9-9D95-B642-3EDC-15F014A700F5}"/>
               </a:ext>
             </a:extLst>
           </p:cNvPr>
@@ -1024,7 +1110,7 @@
           <p:cNvPr id="4" name="Slide Number Placeholder 3">
             <a:extLst>
               <a:ext uri="{FF2B5EF4-FFF2-40B4-BE49-F238E27FC236}">
-                <a16:creationId xmlns:a16="http://schemas.microsoft.com/office/drawing/2014/main" id="{96551E54-76AC-ABCF-353D-351F7A026C85}"/>
+                <a16:creationId xmlns:a16="http://schemas.microsoft.com/office/drawing/2014/main" id="{E1B383A4-DCEF-BBBE-89E5-EBFFAB5A0512}"/>
               </a:ext>
             </a:extLst>
           </p:cNvPr>
@@ -1042,7 +1128,7 @@
           <a:p>
             <a:fld id="{A89C7E07-3C67-C64C-8DA0-0404F6303970}" type="slidenum">
               <a:rPr lang="en-US" smtClean="0"/>
-              <a:t>4</a:t>
+              <a:t>5</a:t>
             </a:fld>
             <a:endParaRPr lang="en-US" dirty="0"/>
           </a:p>
@@ -1051,7 +1137,7 @@
     </p:spTree>
     <p:extLst>
       <p:ext uri="{BB962C8B-B14F-4D97-AF65-F5344CB8AC3E}">
-        <p14:creationId xmlns:p14="http://schemas.microsoft.com/office/powerpoint/2010/main" val="3442633623"/>
+        <p14:creationId xmlns:p14="http://schemas.microsoft.com/office/powerpoint/2010/main" val="3195501555"/>
       </p:ext>
     </p:extLst>
   </p:cSld>
@@ -1061,7 +1147,7 @@
 </p:notes>
 </file>
 
-<file path=ppt/notesSlides/notesSlide5.xml><?xml version="1.0" encoding="utf-8"?>
+<file path=ppt/notesSlides/notesSlide6.xml><?xml version="1.0" encoding="utf-8"?>
 <p:notes xmlns:a="http://schemas.openxmlformats.org/drawingml/2006/main" xmlns:r="http://schemas.openxmlformats.org/officeDocument/2006/relationships" xmlns:p="http://schemas.openxmlformats.org/presentationml/2006/main">
   <p:cSld>
     <p:spTree>
@@ -1069,7 +1155,7 @@
         <p:cNvPr id="1" name="">
           <a:extLst>
             <a:ext uri="{FF2B5EF4-FFF2-40B4-BE49-F238E27FC236}">
-              <a16:creationId xmlns:a16="http://schemas.microsoft.com/office/drawing/2014/main" id="{0EEE3134-C2C8-1FC8-83DC-57D41C696DAD}"/>
+              <a16:creationId xmlns:a16="http://schemas.microsoft.com/office/drawing/2014/main" id="{C34CB30B-4216-36A8-8E0D-337166272701}"/>
             </a:ext>
           </a:extLst>
         </p:cNvPr>
@@ -1089,7 +1175,7 @@
           <p:cNvPr id="2" name="Slide Image Placeholder 1">
             <a:extLst>
               <a:ext uri="{FF2B5EF4-FFF2-40B4-BE49-F238E27FC236}">
-                <a16:creationId xmlns:a16="http://schemas.microsoft.com/office/drawing/2014/main" id="{E25E766A-CDF7-F174-5812-C97CF56B10AD}"/>
+                <a16:creationId xmlns:a16="http://schemas.microsoft.com/office/drawing/2014/main" id="{CF2814B2-F9F2-36BB-A8FB-C28DCFA11B10}"/>
               </a:ext>
             </a:extLst>
           </p:cNvPr>
@@ -1107,7 +1193,7 @@
           <p:cNvPr id="3" name="Notes Placeholder 2">
             <a:extLst>
               <a:ext uri="{FF2B5EF4-FFF2-40B4-BE49-F238E27FC236}">
-                <a16:creationId xmlns:a16="http://schemas.microsoft.com/office/drawing/2014/main" id="{4EDADB81-6AA6-DEAF-6024-35E93843C9ED}"/>
+                <a16:creationId xmlns:a16="http://schemas.microsoft.com/office/drawing/2014/main" id="{4FD3FA18-4DA0-41C2-6AC4-721AA8648DB7}"/>
               </a:ext>
             </a:extLst>
           </p:cNvPr>
@@ -1132,7 +1218,7 @@
           <p:cNvPr id="4" name="Slide Number Placeholder 3">
             <a:extLst>
               <a:ext uri="{FF2B5EF4-FFF2-40B4-BE49-F238E27FC236}">
-                <a16:creationId xmlns:a16="http://schemas.microsoft.com/office/drawing/2014/main" id="{089D2E6A-73A6-10FA-AEE0-304C38EE96FF}"/>
+                <a16:creationId xmlns:a16="http://schemas.microsoft.com/office/drawing/2014/main" id="{B0BABF26-C9C2-A12A-0AB8-A08B4A228DBC}"/>
               </a:ext>
             </a:extLst>
           </p:cNvPr>
@@ -1150,7 +1236,7 @@
           <a:p>
             <a:fld id="{A89C7E07-3C67-C64C-8DA0-0404F6303970}" type="slidenum">
               <a:rPr lang="en-US" smtClean="0"/>
-              <a:t>5</a:t>
+              <a:t>6</a:t>
             </a:fld>
             <a:endParaRPr lang="en-US" dirty="0"/>
           </a:p>
@@ -1159,7 +1245,7 @@
     </p:spTree>
     <p:extLst>
       <p:ext uri="{BB962C8B-B14F-4D97-AF65-F5344CB8AC3E}">
-        <p14:creationId xmlns:p14="http://schemas.microsoft.com/office/powerpoint/2010/main" val="1932821723"/>
+        <p14:creationId xmlns:p14="http://schemas.microsoft.com/office/powerpoint/2010/main" val="2675340460"/>
       </p:ext>
     </p:extLst>
   </p:cSld>
@@ -1169,7 +1255,7 @@
 </p:notes>
 </file>
 
-<file path=ppt/notesSlides/notesSlide6.xml><?xml version="1.0" encoding="utf-8"?>
+<file path=ppt/notesSlides/notesSlide7.xml><?xml version="1.0" encoding="utf-8"?>
 <p:notes xmlns:a="http://schemas.openxmlformats.org/drawingml/2006/main" xmlns:r="http://schemas.openxmlformats.org/officeDocument/2006/relationships" xmlns:p="http://schemas.openxmlformats.org/presentationml/2006/main">
   <p:cSld>
     <p:spTree>
@@ -1258,7 +1344,7 @@
           <a:p>
             <a:fld id="{A89C7E07-3C67-C64C-8DA0-0404F6303970}" type="slidenum">
               <a:rPr lang="en-US" smtClean="0"/>
-              <a:t>6</a:t>
+              <a:t>7</a:t>
             </a:fld>
             <a:endParaRPr lang="en-US" dirty="0"/>
           </a:p>
@@ -1277,7 +1363,115 @@
 </p:notes>
 </file>
 
-<file path=ppt/notesSlides/notesSlide7.xml><?xml version="1.0" encoding="utf-8"?>
+<file path=ppt/notesSlides/notesSlide8.xml><?xml version="1.0" encoding="utf-8"?>
+<p:notes xmlns:a="http://schemas.openxmlformats.org/drawingml/2006/main" xmlns:r="http://schemas.openxmlformats.org/officeDocument/2006/relationships" xmlns:p="http://schemas.openxmlformats.org/presentationml/2006/main">
+  <p:cSld>
+    <p:spTree>
+      <p:nvGrpSpPr>
+        <p:cNvPr id="1" name="">
+          <a:extLst>
+            <a:ext uri="{FF2B5EF4-FFF2-40B4-BE49-F238E27FC236}">
+              <a16:creationId xmlns:a16="http://schemas.microsoft.com/office/drawing/2014/main" id="{2BBD7FE4-AF87-0A5B-29AC-01B0B2B2CD52}"/>
+            </a:ext>
+          </a:extLst>
+        </p:cNvPr>
+        <p:cNvGrpSpPr/>
+        <p:nvPr/>
+      </p:nvGrpSpPr>
+      <p:grpSpPr>
+        <a:xfrm>
+          <a:off x="0" y="0"/>
+          <a:ext cx="0" cy="0"/>
+          <a:chOff x="0" y="0"/>
+          <a:chExt cx="0" cy="0"/>
+        </a:xfrm>
+      </p:grpSpPr>
+      <p:sp>
+        <p:nvSpPr>
+          <p:cNvPr id="2" name="Slide Image Placeholder 1">
+            <a:extLst>
+              <a:ext uri="{FF2B5EF4-FFF2-40B4-BE49-F238E27FC236}">
+                <a16:creationId xmlns:a16="http://schemas.microsoft.com/office/drawing/2014/main" id="{B5F11AAE-62EB-ED02-E584-8B28465623DF}"/>
+              </a:ext>
+            </a:extLst>
+          </p:cNvPr>
+          <p:cNvSpPr>
+            <a:spLocks noGrp="1" noRot="1" noChangeAspect="1"/>
+          </p:cNvSpPr>
+          <p:nvPr>
+            <p:ph type="sldImg"/>
+          </p:nvPr>
+        </p:nvSpPr>
+        <p:spPr/>
+      </p:sp>
+      <p:sp>
+        <p:nvSpPr>
+          <p:cNvPr id="3" name="Notes Placeholder 2">
+            <a:extLst>
+              <a:ext uri="{FF2B5EF4-FFF2-40B4-BE49-F238E27FC236}">
+                <a16:creationId xmlns:a16="http://schemas.microsoft.com/office/drawing/2014/main" id="{8975B695-3132-0E73-8A41-98A49837042F}"/>
+              </a:ext>
+            </a:extLst>
+          </p:cNvPr>
+          <p:cNvSpPr>
+            <a:spLocks noGrp="1"/>
+          </p:cNvSpPr>
+          <p:nvPr>
+            <p:ph type="body" idx="1"/>
+          </p:nvPr>
+        </p:nvSpPr>
+        <p:spPr/>
+        <p:txBody>
+          <a:bodyPr/>
+          <a:lstStyle/>
+          <a:p>
+            <a:endParaRPr lang="en-US" dirty="0"/>
+          </a:p>
+        </p:txBody>
+      </p:sp>
+      <p:sp>
+        <p:nvSpPr>
+          <p:cNvPr id="4" name="Slide Number Placeholder 3">
+            <a:extLst>
+              <a:ext uri="{FF2B5EF4-FFF2-40B4-BE49-F238E27FC236}">
+                <a16:creationId xmlns:a16="http://schemas.microsoft.com/office/drawing/2014/main" id="{DB564563-7A62-EE26-7C65-D66A44DF69FD}"/>
+              </a:ext>
+            </a:extLst>
+          </p:cNvPr>
+          <p:cNvSpPr>
+            <a:spLocks noGrp="1"/>
+          </p:cNvSpPr>
+          <p:nvPr>
+            <p:ph type="sldNum" sz="quarter" idx="5"/>
+          </p:nvPr>
+        </p:nvSpPr>
+        <p:spPr/>
+        <p:txBody>
+          <a:bodyPr/>
+          <a:lstStyle/>
+          <a:p>
+            <a:fld id="{A89C7E07-3C67-C64C-8DA0-0404F6303970}" type="slidenum">
+              <a:rPr lang="en-US" smtClean="0"/>
+              <a:t>8</a:t>
+            </a:fld>
+            <a:endParaRPr lang="en-US" dirty="0"/>
+          </a:p>
+        </p:txBody>
+      </p:sp>
+    </p:spTree>
+    <p:extLst>
+      <p:ext uri="{BB962C8B-B14F-4D97-AF65-F5344CB8AC3E}">
+        <p14:creationId xmlns:p14="http://schemas.microsoft.com/office/powerpoint/2010/main" val="2721242706"/>
+      </p:ext>
+    </p:extLst>
+  </p:cSld>
+  <p:clrMapOvr>
+    <a:masterClrMapping/>
+  </p:clrMapOvr>
+</p:notes>
+</file>
+
+<file path=ppt/notesSlides/notesSlide9.xml><?xml version="1.0" encoding="utf-8"?>
 <p:notes xmlns:a="http://schemas.openxmlformats.org/drawingml/2006/main" xmlns:r="http://schemas.openxmlformats.org/officeDocument/2006/relationships" xmlns:p="http://schemas.openxmlformats.org/presentationml/2006/main">
   <p:cSld>
     <p:spTree>
@@ -1342,7 +1536,7 @@
           <a:p>
             <a:fld id="{A89C7E07-3C67-C64C-8DA0-0404F6303970}" type="slidenum">
               <a:rPr lang="en-US" smtClean="0"/>
-              <a:t>7</a:t>
+              <a:t>9</a:t>
             </a:fld>
             <a:endParaRPr lang="en-US" dirty="0"/>
           </a:p>
@@ -5091,232 +5285,6 @@
           <a:chExt cx="0" cy="0"/>
         </a:xfrm>
       </p:grpSpPr>
-      <p:sp>
-        <p:nvSpPr>
-          <p:cNvPr id="4" name="Picture Placeholder 3">
-            <a:extLst>
-              <a:ext uri="{FF2B5EF4-FFF2-40B4-BE49-F238E27FC236}">
-                <a16:creationId xmlns:a16="http://schemas.microsoft.com/office/drawing/2014/main" id="{B79D0555-EBDC-B53A-212D-A5921795FEC8}"/>
-              </a:ext>
-            </a:extLst>
-          </p:cNvPr>
-          <p:cNvSpPr>
-            <a:spLocks noGrp="1"/>
-          </p:cNvSpPr>
-          <p:nvPr>
-            <p:ph type="pic" sz="quarter" idx="13"/>
-          </p:nvPr>
-        </p:nvSpPr>
-        <p:spPr>
-          <a:xfrm>
-            <a:off x="0" y="0"/>
-            <a:ext cx="12192000" cy="6880543"/>
-          </a:xfrm>
-          <a:custGeom>
-            <a:avLst/>
-            <a:gdLst>
-              <a:gd name="connsiteX0" fmla="*/ 6309360 w 12192000"/>
-              <a:gd name="connsiteY0" fmla="*/ 3951843 h 6880543"/>
-              <a:gd name="connsiteX1" fmla="*/ 6309360 w 12192000"/>
-              <a:gd name="connsiteY1" fmla="*/ 4052427 h 6880543"/>
-              <a:gd name="connsiteX2" fmla="*/ 8442960 w 12192000"/>
-              <a:gd name="connsiteY2" fmla="*/ 4052427 h 6880543"/>
-              <a:gd name="connsiteX3" fmla="*/ 8442960 w 12192000"/>
-              <a:gd name="connsiteY3" fmla="*/ 3951843 h 6880543"/>
-              <a:gd name="connsiteX4" fmla="*/ 0 w 12192000"/>
-              <a:gd name="connsiteY4" fmla="*/ 0 h 6880543"/>
-              <a:gd name="connsiteX5" fmla="*/ 12192000 w 12192000"/>
-              <a:gd name="connsiteY5" fmla="*/ 0 h 6880543"/>
-              <a:gd name="connsiteX6" fmla="*/ 12192000 w 12192000"/>
-              <a:gd name="connsiteY6" fmla="*/ 6880543 h 6880543"/>
-              <a:gd name="connsiteX7" fmla="*/ 0 w 12192000"/>
-              <a:gd name="connsiteY7" fmla="*/ 6880543 h 6880543"/>
-            </a:gdLst>
-            <a:ahLst/>
-            <a:cxnLst>
-              <a:cxn ang="0">
-                <a:pos x="connsiteX0" y="connsiteY0"/>
-              </a:cxn>
-              <a:cxn ang="0">
-                <a:pos x="connsiteX1" y="connsiteY1"/>
-              </a:cxn>
-              <a:cxn ang="0">
-                <a:pos x="connsiteX2" y="connsiteY2"/>
-              </a:cxn>
-              <a:cxn ang="0">
-                <a:pos x="connsiteX3" y="connsiteY3"/>
-              </a:cxn>
-              <a:cxn ang="0">
-                <a:pos x="connsiteX4" y="connsiteY4"/>
-              </a:cxn>
-              <a:cxn ang="0">
-                <a:pos x="connsiteX5" y="connsiteY5"/>
-              </a:cxn>
-              <a:cxn ang="0">
-                <a:pos x="connsiteX6" y="connsiteY6"/>
-              </a:cxn>
-              <a:cxn ang="0">
-                <a:pos x="connsiteX7" y="connsiteY7"/>
-              </a:cxn>
-            </a:cxnLst>
-            <a:rect l="l" t="t" r="r" b="b"/>
-            <a:pathLst>
-              <a:path w="12192000" h="6880543">
-                <a:moveTo>
-                  <a:pt x="6309360" y="3951843"/>
-                </a:moveTo>
-                <a:lnTo>
-                  <a:pt x="6309360" y="4052427"/>
-                </a:lnTo>
-                <a:lnTo>
-                  <a:pt x="8442960" y="4052427"/>
-                </a:lnTo>
-                <a:lnTo>
-                  <a:pt x="8442960" y="3951843"/>
-                </a:lnTo>
-                <a:close/>
-                <a:moveTo>
-                  <a:pt x="0" y="0"/>
-                </a:moveTo>
-                <a:lnTo>
-                  <a:pt x="12192000" y="0"/>
-                </a:lnTo>
-                <a:lnTo>
-                  <a:pt x="12192000" y="6880543"/>
-                </a:lnTo>
-                <a:lnTo>
-                  <a:pt x="0" y="6880543"/>
-                </a:lnTo>
-                <a:close/>
-              </a:path>
-            </a:pathLst>
-          </a:custGeom>
-        </p:spPr>
-        <p:txBody>
-          <a:bodyPr wrap="square" tIns="182880">
-            <a:noAutofit/>
-          </a:bodyPr>
-          <a:lstStyle>
-            <a:lvl1pPr marL="0" indent="0" algn="ctr">
-              <a:buNone/>
-              <a:defRPr sz="2000">
-                <a:solidFill>
-                  <a:schemeClr val="tx1"/>
-                </a:solidFill>
-              </a:defRPr>
-            </a:lvl1pPr>
-          </a:lstStyle>
-          <a:p>
-            <a:r>
-              <a:rPr lang="en-US"/>
-              <a:t>Click icon to add picture</a:t>
-            </a:r>
-            <a:endParaRPr lang="en-US" dirty="0"/>
-          </a:p>
-        </p:txBody>
-      </p:sp>
-      <p:sp>
-        <p:nvSpPr>
-          <p:cNvPr id="18" name="Title 1">
-            <a:extLst>
-              <a:ext uri="{FF2B5EF4-FFF2-40B4-BE49-F238E27FC236}">
-                <a16:creationId xmlns:a16="http://schemas.microsoft.com/office/drawing/2014/main" id="{8D492973-78E3-D34E-835E-CF2D4517016D}"/>
-              </a:ext>
-            </a:extLst>
-          </p:cNvPr>
-          <p:cNvSpPr>
-            <a:spLocks noGrp="1"/>
-          </p:cNvSpPr>
-          <p:nvPr>
-            <p:ph type="title" hasCustomPrompt="1"/>
-          </p:nvPr>
-        </p:nvSpPr>
-        <p:spPr>
-          <a:xfrm>
-            <a:off x="6309359" y="444933"/>
-            <a:ext cx="5477479" cy="3291840"/>
-          </a:xfrm>
-          <a:prstGeom prst="rect">
-            <a:avLst/>
-          </a:prstGeom>
-        </p:spPr>
-        <p:txBody>
-          <a:bodyPr lIns="0" tIns="0" rIns="0" bIns="0" anchor="b" anchorCtr="0">
-            <a:noAutofit/>
-          </a:bodyPr>
-          <a:lstStyle>
-            <a:lvl1pPr>
-              <a:defRPr sz="6000" b="1" i="0" baseline="0">
-                <a:solidFill>
-                  <a:schemeClr val="tx1"/>
-                </a:solidFill>
-                <a:latin typeface="+mj-lt"/>
-              </a:defRPr>
-            </a:lvl1pPr>
-          </a:lstStyle>
-          <a:p>
-            <a:r>
-              <a:rPr lang="en-US" dirty="0"/>
-              <a:t>Click to add title </a:t>
-            </a:r>
-          </a:p>
-        </p:txBody>
-      </p:sp>
-      <p:sp>
-        <p:nvSpPr>
-          <p:cNvPr id="7" name="Rectangle 6">
-            <a:extLst>
-              <a:ext uri="{FF2B5EF4-FFF2-40B4-BE49-F238E27FC236}">
-                <a16:creationId xmlns:a16="http://schemas.microsoft.com/office/drawing/2014/main" id="{D96BA398-1ED2-1FCA-63B9-8915A8C7A524}"/>
-              </a:ext>
-              <a:ext uri="{C183D7F6-B498-43B3-948B-1728B52AA6E4}">
-                <adec:decorative xmlns:adec="http://schemas.microsoft.com/office/drawing/2017/decorative" val="1"/>
-              </a:ext>
-            </a:extLst>
-          </p:cNvPr>
-          <p:cNvSpPr/>
-          <p:nvPr userDrawn="1"/>
-        </p:nvSpPr>
-        <p:spPr>
-          <a:xfrm>
-            <a:off x="6309360" y="3951843"/>
-            <a:ext cx="2133600" cy="100584"/>
-          </a:xfrm>
-          <a:prstGeom prst="rect">
-            <a:avLst/>
-          </a:prstGeom>
-          <a:solidFill>
-            <a:schemeClr val="tx2"/>
-          </a:solidFill>
-          <a:ln>
-            <a:noFill/>
-          </a:ln>
-        </p:spPr>
-        <p:style>
-          <a:lnRef idx="2">
-            <a:schemeClr val="accent1">
-              <a:shade val="15000"/>
-            </a:schemeClr>
-          </a:lnRef>
-          <a:fillRef idx="1">
-            <a:schemeClr val="accent1"/>
-          </a:fillRef>
-          <a:effectRef idx="0">
-            <a:schemeClr val="accent1"/>
-          </a:effectRef>
-          <a:fontRef idx="minor">
-            <a:schemeClr val="lt1"/>
-          </a:fontRef>
-        </p:style>
-        <p:txBody>
-          <a:bodyPr rtlCol="0" anchor="ctr"/>
-          <a:lstStyle/>
-          <a:p>
-            <a:pPr algn="ctr"/>
-            <a:endParaRPr lang="en-US" dirty="0"/>
-          </a:p>
-        </p:txBody>
-      </p:sp>
     </p:spTree>
     <p:extLst>
       <p:ext uri="{BB962C8B-B14F-4D97-AF65-F5344CB8AC3E}">
@@ -9697,8 +9665,8 @@
         </p:nvSpPr>
         <p:spPr>
           <a:xfrm>
-            <a:off x="3661409" y="4661717"/>
-            <a:ext cx="7936230" cy="1380760"/>
+            <a:off x="594360" y="189572"/>
+            <a:ext cx="6787747" cy="1593507"/>
           </a:xfrm>
         </p:spPr>
         <p:txBody>
@@ -9736,15 +9704,15 @@
               </a:ext>
             </a:extLst>
           </a:blip>
-          <a:srcRect r="1" b="10311"/>
+          <a:srcRect r="-2" b="2868"/>
           <a:stretch>
             <a:fillRect/>
           </a:stretch>
         </p:blipFill>
         <p:spPr>
           <a:xfrm>
-            <a:off x="1713947" y="662657"/>
-            <a:ext cx="7926705" cy="3999060"/>
+            <a:off x="594359" y="2281918"/>
+            <a:ext cx="6787747" cy="3708517"/>
           </a:xfrm>
           <a:prstGeom prst="rect">
             <a:avLst/>
@@ -9800,82 +9768,121 @@
         </p:nvSpPr>
         <p:spPr>
           <a:xfrm>
-            <a:off x="594360" y="189572"/>
-            <a:ext cx="6787747" cy="1593507"/>
+            <a:off x="594360" y="278129"/>
+            <a:ext cx="9778365" cy="1494596"/>
+          </a:xfrm>
+        </p:spPr>
+        <p:txBody>
+          <a:bodyPr anchor="b">
+            <a:normAutofit/>
+          </a:bodyPr>
+          <a:lstStyle/>
+          <a:p>
+            <a:r>
+              <a:rPr lang="en-US" dirty="0"/>
+              <a:t>Agenda</a:t>
+            </a:r>
+          </a:p>
+        </p:txBody>
+      </p:sp>
+      <p:sp>
+        <p:nvSpPr>
+          <p:cNvPr id="5" name="Content Placeholder 4">
+            <a:extLst>
+              <a:ext uri="{FF2B5EF4-FFF2-40B4-BE49-F238E27FC236}">
+                <a16:creationId xmlns:a16="http://schemas.microsoft.com/office/drawing/2014/main" id="{B5D664F0-65D0-52A3-7755-56BBE47E7725}"/>
+              </a:ext>
+            </a:extLst>
+          </p:cNvPr>
+          <p:cNvSpPr>
+            <a:spLocks noGrp="1"/>
+          </p:cNvSpPr>
+          <p:nvPr>
+            <p:ph sz="quarter" idx="15"/>
+          </p:nvPr>
+        </p:nvSpPr>
+        <p:spPr>
+          <a:xfrm>
+            <a:off x="594360" y="2676525"/>
+            <a:ext cx="4490827" cy="3597470"/>
+          </a:xfrm>
+        </p:spPr>
+        <p:txBody>
+          <a:bodyPr>
+            <a:normAutofit/>
+          </a:bodyPr>
+          <a:lstStyle/>
+          <a:p>
+            <a:r>
+              <a:rPr lang="en-US" dirty="0"/>
+              <a:t>Introduction</a:t>
+            </a:r>
+          </a:p>
+          <a:p>
+            <a:r>
+              <a:rPr lang="en-US" dirty="0"/>
+              <a:t>Features</a:t>
+            </a:r>
+          </a:p>
+          <a:p>
+            <a:r>
+              <a:rPr lang="en-US" dirty="0"/>
+              <a:t>Specific characteristics</a:t>
+            </a:r>
+          </a:p>
+          <a:p>
+            <a:r>
+              <a:rPr lang="en-US" dirty="0"/>
+              <a:t>Price range</a:t>
+            </a:r>
+          </a:p>
+          <a:p>
+            <a:r>
+              <a:rPr lang="en-US" dirty="0"/>
+              <a:t>Comparison</a:t>
+            </a:r>
+          </a:p>
+          <a:p>
+            <a:r>
+              <a:rPr lang="en-US" dirty="0"/>
+              <a:t>Conclusion</a:t>
+            </a:r>
+          </a:p>
+          <a:p>
+            <a:endParaRPr lang="en-US" dirty="0"/>
+          </a:p>
+          <a:p>
+            <a:endParaRPr lang="en-US" dirty="0"/>
+          </a:p>
+        </p:txBody>
+      </p:sp>
+      <p:sp>
+        <p:nvSpPr>
+          <p:cNvPr id="10" name="Content Placeholder 3">
+            <a:extLst>
+              <a:ext uri="{FF2B5EF4-FFF2-40B4-BE49-F238E27FC236}">
+                <a16:creationId xmlns:a16="http://schemas.microsoft.com/office/drawing/2014/main" id="{5668AC17-FCD7-51FF-0756-53489F4657BD}"/>
+              </a:ext>
+            </a:extLst>
+          </p:cNvPr>
+          <p:cNvSpPr>
+            <a:spLocks noGrp="1"/>
+          </p:cNvSpPr>
+          <p:nvPr>
+            <p:ph sz="quarter" idx="16"/>
+          </p:nvPr>
+        </p:nvSpPr>
+        <p:spPr>
+          <a:xfrm>
+            <a:off x="5881898" y="2676525"/>
+            <a:ext cx="4490827" cy="3597470"/>
           </a:xfrm>
         </p:spPr>
         <p:txBody>
           <a:bodyPr/>
           <a:lstStyle/>
           <a:p>
-            <a:r>
-              <a:rPr lang="en-US" dirty="0"/>
-              <a:t>Agenda</a:t>
-            </a:r>
-          </a:p>
-        </p:txBody>
-      </p:sp>
-      <p:sp>
-        <p:nvSpPr>
-          <p:cNvPr id="5" name="Content Placeholder 4">
-            <a:extLst>
-              <a:ext uri="{FF2B5EF4-FFF2-40B4-BE49-F238E27FC236}">
-                <a16:creationId xmlns:a16="http://schemas.microsoft.com/office/drawing/2014/main" id="{B5D664F0-65D0-52A3-7755-56BBE47E7725}"/>
-              </a:ext>
-            </a:extLst>
-          </p:cNvPr>
-          <p:cNvSpPr>
-            <a:spLocks noGrp="1"/>
-          </p:cNvSpPr>
-          <p:nvPr>
-            <p:ph sz="quarter" idx="13"/>
-          </p:nvPr>
-        </p:nvSpPr>
-        <p:spPr/>
-        <p:txBody>
-          <a:bodyPr/>
-          <a:lstStyle/>
-          <a:p>
-            <a:r>
-              <a:rPr lang="en-US" dirty="0"/>
-              <a:t>Introduction</a:t>
-            </a:r>
-          </a:p>
-          <a:p>
-            <a:r>
-              <a:rPr lang="en-US" dirty="0"/>
-              <a:t>Features</a:t>
-            </a:r>
-          </a:p>
-          <a:p>
-            <a:r>
-              <a:rPr lang="en-US" dirty="0"/>
-              <a:t>Specific characteristics</a:t>
-            </a:r>
-          </a:p>
-          <a:p>
-            <a:r>
-              <a:rPr lang="en-US" dirty="0"/>
-              <a:t>Price range</a:t>
-            </a:r>
-          </a:p>
-          <a:p>
-            <a:r>
-              <a:rPr lang="en-US" dirty="0"/>
-              <a:t>Comparison</a:t>
-            </a:r>
-          </a:p>
-          <a:p>
-            <a:r>
-              <a:rPr lang="en-US" dirty="0"/>
-              <a:t>Conclusion</a:t>
-            </a:r>
-          </a:p>
-          <a:p>
-            <a:endParaRPr lang="en-US" dirty="0"/>
-          </a:p>
-          <a:p>
-            <a:endParaRPr lang="en-US" dirty="0"/>
+            <a:endParaRPr lang="en-US"/>
           </a:p>
         </p:txBody>
       </p:sp>
@@ -9897,13 +9904,7 @@
   <p:cSld>
     <p:spTree>
       <p:nvGrpSpPr>
-        <p:cNvPr id="1" name="">
-          <a:extLst>
-            <a:ext uri="{FF2B5EF4-FFF2-40B4-BE49-F238E27FC236}">
-              <a16:creationId xmlns:a16="http://schemas.microsoft.com/office/drawing/2014/main" id="{C21633A5-8BE3-D44D-57F3-2EF161376844}"/>
-            </a:ext>
-          </a:extLst>
-        </p:cNvPr>
+        <p:cNvPr id="1" name=""/>
         <p:cNvGrpSpPr/>
         <p:nvPr/>
       </p:nvGrpSpPr>
@@ -9917,10 +9918,10 @@
       </p:grpSpPr>
       <p:sp>
         <p:nvSpPr>
-          <p:cNvPr id="15" name="Title 2">
+          <p:cNvPr id="2" name="Title 1">
             <a:extLst>
               <a:ext uri="{FF2B5EF4-FFF2-40B4-BE49-F238E27FC236}">
-                <a16:creationId xmlns:a16="http://schemas.microsoft.com/office/drawing/2014/main" id="{77287BEF-1B92-2423-6F00-0B3999CADF08}"/>
+                <a16:creationId xmlns:a16="http://schemas.microsoft.com/office/drawing/2014/main" id="{65B8CE60-587E-1D5C-8B50-ED3441BA49CE}"/>
               </a:ext>
             </a:extLst>
           </p:cNvPr>
@@ -9933,27 +9934,30 @@
         </p:nvSpPr>
         <p:spPr>
           <a:xfrm>
-            <a:off x="3093886" y="2764738"/>
-            <a:ext cx="7436786" cy="3291840"/>
+            <a:off x="3661409" y="4661717"/>
+            <a:ext cx="7936230" cy="1380760"/>
           </a:xfrm>
         </p:spPr>
         <p:txBody>
-          <a:bodyPr/>
+          <a:bodyPr anchor="b">
+            <a:normAutofit/>
+          </a:bodyPr>
           <a:lstStyle/>
           <a:p>
             <a:r>
-              <a:rPr lang="en-US" sz="3200" dirty="0"/>
+              <a:rPr lang="en-US" sz="4400" dirty="0"/>
               <a:t>Motherboard with PCIe slots</a:t>
             </a:r>
+            <a:endParaRPr lang="en-US" dirty="0"/>
           </a:p>
         </p:txBody>
       </p:sp>
       <p:pic>
         <p:nvPicPr>
-          <p:cNvPr id="11" name="Picture 10">
+          <p:cNvPr id="6" name="Picture 5">
             <a:extLst>
               <a:ext uri="{FF2B5EF4-FFF2-40B4-BE49-F238E27FC236}">
-                <a16:creationId xmlns:a16="http://schemas.microsoft.com/office/drawing/2014/main" id="{382BF65A-C249-90E5-89A2-E262FED7F576}"/>
+                <a16:creationId xmlns:a16="http://schemas.microsoft.com/office/drawing/2014/main" id="{470A5B10-4D2C-B3AA-8E27-8F1347C592FD}"/>
               </a:ext>
             </a:extLst>
           </p:cNvPr>
@@ -9970,8 +9974,8 @@
         </p:blipFill>
         <p:spPr>
           <a:xfrm>
-            <a:off x="1354925" y="283578"/>
-            <a:ext cx="9482150" cy="5165430"/>
+            <a:off x="1649117" y="391731"/>
+            <a:ext cx="8893766" cy="4844906"/>
           </a:xfrm>
           <a:prstGeom prst="rect">
             <a:avLst/>
@@ -9981,7 +9985,7 @@
     </p:spTree>
     <p:extLst>
       <p:ext uri="{BB962C8B-B14F-4D97-AF65-F5344CB8AC3E}">
-        <p14:creationId xmlns:p14="http://schemas.microsoft.com/office/powerpoint/2010/main" val="2039059756"/>
+        <p14:creationId xmlns:p14="http://schemas.microsoft.com/office/powerpoint/2010/main" val="1440871986"/>
       </p:ext>
     </p:extLst>
   </p:cSld>
@@ -9999,7 +10003,7 @@
         <p:cNvPr id="1" name="">
           <a:extLst>
             <a:ext uri="{FF2B5EF4-FFF2-40B4-BE49-F238E27FC236}">
-              <a16:creationId xmlns:a16="http://schemas.microsoft.com/office/drawing/2014/main" id="{B4158E6E-5CB1-48AF-0086-E18CA8AFD9D4}"/>
+              <a16:creationId xmlns:a16="http://schemas.microsoft.com/office/drawing/2014/main" id="{BA297903-5DE3-7E72-8E0C-B66E9B0E0744}"/>
             </a:ext>
           </a:extLst>
         </p:cNvPr>
@@ -10014,12 +10018,48 @@
           <a:chExt cx="0" cy="0"/>
         </a:xfrm>
       </p:grpSpPr>
+      <p:sp>
+        <p:nvSpPr>
+          <p:cNvPr id="2" name="Title 1">
+            <a:extLst>
+              <a:ext uri="{FF2B5EF4-FFF2-40B4-BE49-F238E27FC236}">
+                <a16:creationId xmlns:a16="http://schemas.microsoft.com/office/drawing/2014/main" id="{32973D47-0BBF-1E17-433A-1A5D8A8DCB23}"/>
+              </a:ext>
+            </a:extLst>
+          </p:cNvPr>
+          <p:cNvSpPr>
+            <a:spLocks noGrp="1"/>
+          </p:cNvSpPr>
+          <p:nvPr>
+            <p:ph type="title"/>
+          </p:nvPr>
+        </p:nvSpPr>
+        <p:spPr>
+          <a:xfrm>
+            <a:off x="3661408" y="4661717"/>
+            <a:ext cx="8349081" cy="1380760"/>
+          </a:xfrm>
+        </p:spPr>
+        <p:txBody>
+          <a:bodyPr anchor="b">
+            <a:normAutofit/>
+          </a:bodyPr>
+          <a:lstStyle/>
+          <a:p>
+            <a:r>
+              <a:rPr lang="en-US" sz="4400"/>
+              <a:t>Display outputs on an RTX 3070</a:t>
+            </a:r>
+            <a:endParaRPr lang="en-US" dirty="0"/>
+          </a:p>
+        </p:txBody>
+      </p:sp>
       <p:pic>
         <p:nvPicPr>
-          <p:cNvPr id="3" name="Picture 2">
+          <p:cNvPr id="4" name="Picture 3">
             <a:extLst>
               <a:ext uri="{FF2B5EF4-FFF2-40B4-BE49-F238E27FC236}">
-                <a16:creationId xmlns:a16="http://schemas.microsoft.com/office/drawing/2014/main" id="{26A3C37B-0BEA-826F-BF40-DBF76AB37AE3}"/>
+                <a16:creationId xmlns:a16="http://schemas.microsoft.com/office/drawing/2014/main" id="{F5E97B25-A8BD-5D1F-D3DA-22E9618A5627}"/>
               </a:ext>
             </a:extLst>
           </p:cNvPr>
@@ -10036,7 +10076,7 @@
         </p:blipFill>
         <p:spPr>
           <a:xfrm>
-            <a:off x="939756" y="579693"/>
+            <a:off x="1042496" y="435854"/>
             <a:ext cx="10312488" cy="4370090"/>
           </a:xfrm>
           <a:prstGeom prst="rect">
@@ -10046,10 +10086,10 @@
       </p:pic>
       <p:sp>
         <p:nvSpPr>
-          <p:cNvPr id="6" name="TextBox 5">
+          <p:cNvPr id="5" name="TextBox 4">
             <a:extLst>
               <a:ext uri="{FF2B5EF4-FFF2-40B4-BE49-F238E27FC236}">
-                <a16:creationId xmlns:a16="http://schemas.microsoft.com/office/drawing/2014/main" id="{F515CAF1-1996-5537-7C35-D516A11FA25A}"/>
+                <a16:creationId xmlns:a16="http://schemas.microsoft.com/office/drawing/2014/main" id="{56F0DBCF-3236-A84E-CE28-7A38AE8F3A60}"/>
               </a:ext>
             </a:extLst>
           </p:cNvPr>
@@ -10058,7 +10098,7 @@
         </p:nvSpPr>
         <p:spPr>
           <a:xfrm>
-            <a:off x="4900027" y="2001970"/>
+            <a:off x="5002768" y="1858131"/>
             <a:ext cx="1278583" cy="369332"/>
           </a:xfrm>
           <a:prstGeom prst="rect">
@@ -10088,7 +10128,7 @@
           <p:cNvPr id="7" name="TextBox 6">
             <a:extLst>
               <a:ext uri="{FF2B5EF4-FFF2-40B4-BE49-F238E27FC236}">
-                <a16:creationId xmlns:a16="http://schemas.microsoft.com/office/drawing/2014/main" id="{9D923F98-FF98-53F5-EF42-95BFC8395294}"/>
+                <a16:creationId xmlns:a16="http://schemas.microsoft.com/office/drawing/2014/main" id="{7611CF13-204C-3CD5-CEF5-A0318D352736}"/>
               </a:ext>
             </a:extLst>
           </p:cNvPr>
@@ -10097,7 +10137,7 @@
         </p:nvSpPr>
         <p:spPr>
           <a:xfrm>
-            <a:off x="3258859" y="3424247"/>
+            <a:off x="3361600" y="3280408"/>
             <a:ext cx="1364416" cy="369332"/>
           </a:xfrm>
           <a:prstGeom prst="rect">
@@ -10124,10 +10164,10 @@
       </p:sp>
       <p:sp>
         <p:nvSpPr>
-          <p:cNvPr id="36" name="TextBox 35">
+          <p:cNvPr id="9" name="TextBox 8">
             <a:extLst>
               <a:ext uri="{FF2B5EF4-FFF2-40B4-BE49-F238E27FC236}">
-                <a16:creationId xmlns:a16="http://schemas.microsoft.com/office/drawing/2014/main" id="{A3ACE20B-423D-AE35-D5BA-BB86AC562D2D}"/>
+                <a16:creationId xmlns:a16="http://schemas.microsoft.com/office/drawing/2014/main" id="{4EA35967-0B57-CB03-3D63-92EFD65E4246}"/>
               </a:ext>
             </a:extLst>
           </p:cNvPr>
@@ -10136,7 +10176,7 @@
         </p:nvSpPr>
         <p:spPr>
           <a:xfrm>
-            <a:off x="4817418" y="3424247"/>
+            <a:off x="4920159" y="3280408"/>
             <a:ext cx="1278583" cy="369332"/>
           </a:xfrm>
           <a:prstGeom prst="rect">
@@ -10163,10 +10203,10 @@
       </p:sp>
       <p:sp>
         <p:nvSpPr>
-          <p:cNvPr id="38" name="TextBox 37">
+          <p:cNvPr id="10" name="TextBox 9">
             <a:extLst>
               <a:ext uri="{FF2B5EF4-FFF2-40B4-BE49-F238E27FC236}">
-                <a16:creationId xmlns:a16="http://schemas.microsoft.com/office/drawing/2014/main" id="{B4A597C5-0E2A-EB10-0FB2-430C7C1FA603}"/>
+                <a16:creationId xmlns:a16="http://schemas.microsoft.com/office/drawing/2014/main" id="{E68D615E-78C0-46E1-38A8-6B0625D45454}"/>
               </a:ext>
             </a:extLst>
           </p:cNvPr>
@@ -10175,7 +10215,7 @@
         </p:nvSpPr>
         <p:spPr>
           <a:xfrm>
-            <a:off x="6376649" y="3424247"/>
+            <a:off x="6479390" y="3280408"/>
             <a:ext cx="1364416" cy="369332"/>
           </a:xfrm>
           <a:prstGeom prst="rect">
@@ -10202,10 +10242,10 @@
       </p:sp>
       <p:sp>
         <p:nvSpPr>
-          <p:cNvPr id="39" name="TextBox 38">
+          <p:cNvPr id="11" name="TextBox 10">
             <a:extLst>
               <a:ext uri="{FF2B5EF4-FFF2-40B4-BE49-F238E27FC236}">
-                <a16:creationId xmlns:a16="http://schemas.microsoft.com/office/drawing/2014/main" id="{96CA014E-1C32-6D73-9968-541FFF2C6109}"/>
+                <a16:creationId xmlns:a16="http://schemas.microsoft.com/office/drawing/2014/main" id="{5FBA99F9-D50C-BA2A-E3A0-6B74271DDA3F}"/>
               </a:ext>
             </a:extLst>
           </p:cNvPr>
@@ -10214,7 +10254,7 @@
         </p:nvSpPr>
         <p:spPr>
           <a:xfrm>
-            <a:off x="7855072" y="3424247"/>
+            <a:off x="7957813" y="3280408"/>
             <a:ext cx="1364416" cy="369332"/>
           </a:xfrm>
           <a:prstGeom prst="rect">
@@ -10242,7 +10282,7 @@
     </p:spTree>
     <p:extLst>
       <p:ext uri="{BB962C8B-B14F-4D97-AF65-F5344CB8AC3E}">
-        <p14:creationId xmlns:p14="http://schemas.microsoft.com/office/powerpoint/2010/main" val="1439981753"/>
+        <p14:creationId xmlns:p14="http://schemas.microsoft.com/office/powerpoint/2010/main" val="4236984721"/>
       </p:ext>
     </p:extLst>
   </p:cSld>
@@ -10260,7 +10300,7 @@
         <p:cNvPr id="1" name="">
           <a:extLst>
             <a:ext uri="{FF2B5EF4-FFF2-40B4-BE49-F238E27FC236}">
-              <a16:creationId xmlns:a16="http://schemas.microsoft.com/office/drawing/2014/main" id="{476BA0F6-488D-A8FE-005F-66D5A6A4C879}"/>
+              <a16:creationId xmlns:a16="http://schemas.microsoft.com/office/drawing/2014/main" id="{FE01C1F4-CF97-9BBA-35A3-573C8A7C3683}"/>
             </a:ext>
           </a:extLst>
         </p:cNvPr>
@@ -10275,12 +10315,48 @@
           <a:chExt cx="0" cy="0"/>
         </a:xfrm>
       </p:grpSpPr>
+      <p:sp>
+        <p:nvSpPr>
+          <p:cNvPr id="2" name="Title 1">
+            <a:extLst>
+              <a:ext uri="{FF2B5EF4-FFF2-40B4-BE49-F238E27FC236}">
+                <a16:creationId xmlns:a16="http://schemas.microsoft.com/office/drawing/2014/main" id="{8396D8B2-1560-6485-B370-508E39D79707}"/>
+              </a:ext>
+            </a:extLst>
+          </p:cNvPr>
+          <p:cNvSpPr>
+            <a:spLocks noGrp="1"/>
+          </p:cNvSpPr>
+          <p:nvPr>
+            <p:ph type="title"/>
+          </p:nvPr>
+        </p:nvSpPr>
+        <p:spPr>
+          <a:xfrm>
+            <a:off x="3661408" y="4661717"/>
+            <a:ext cx="8349081" cy="1380760"/>
+          </a:xfrm>
+        </p:spPr>
+        <p:txBody>
+          <a:bodyPr anchor="b">
+            <a:normAutofit/>
+          </a:bodyPr>
+          <a:lstStyle/>
+          <a:p>
+            <a:r>
+              <a:rPr lang="en-US" sz="4400" dirty="0"/>
+              <a:t>Example of ray-tracing</a:t>
+            </a:r>
+            <a:endParaRPr lang="en-US" dirty="0"/>
+          </a:p>
+        </p:txBody>
+      </p:sp>
       <p:pic>
         <p:nvPicPr>
-          <p:cNvPr id="4" name="Picture 3">
+          <p:cNvPr id="3" name="Picture 2">
             <a:extLst>
               <a:ext uri="{FF2B5EF4-FFF2-40B4-BE49-F238E27FC236}">
-                <a16:creationId xmlns:a16="http://schemas.microsoft.com/office/drawing/2014/main" id="{DE899A87-2E6D-D158-09BC-D398BC83BE82}"/>
+                <a16:creationId xmlns:a16="http://schemas.microsoft.com/office/drawing/2014/main" id="{72BB4070-FEDC-3CA2-7D0A-D9CACFC23BB6}"/>
               </a:ext>
             </a:extLst>
           </p:cNvPr>
@@ -10297,7 +10373,7 @@
         </p:blipFill>
         <p:spPr>
           <a:xfrm>
-            <a:off x="1684228" y="915316"/>
+            <a:off x="1809357" y="324729"/>
             <a:ext cx="8823544" cy="5027368"/>
           </a:xfrm>
           <a:prstGeom prst="rect">
@@ -10308,7 +10384,7 @@
     </p:spTree>
     <p:extLst>
       <p:ext uri="{BB962C8B-B14F-4D97-AF65-F5344CB8AC3E}">
-        <p14:creationId xmlns:p14="http://schemas.microsoft.com/office/powerpoint/2010/main" val="2971146821"/>
+        <p14:creationId xmlns:p14="http://schemas.microsoft.com/office/powerpoint/2010/main" val="2161716313"/>
       </p:ext>
     </p:extLst>
   </p:cSld>
@@ -10321,6 +10397,112 @@
 <file path=ppt/slides/slide6.xml><?xml version="1.0" encoding="utf-8"?>
 <p:sld xmlns:a="http://schemas.openxmlformats.org/drawingml/2006/main" xmlns:r="http://schemas.openxmlformats.org/officeDocument/2006/relationships" xmlns:p="http://schemas.openxmlformats.org/presentationml/2006/main">
   <p:cSld>
+    <p:spTree>
+      <p:nvGrpSpPr>
+        <p:cNvPr id="1" name="">
+          <a:extLst>
+            <a:ext uri="{FF2B5EF4-FFF2-40B4-BE49-F238E27FC236}">
+              <a16:creationId xmlns:a16="http://schemas.microsoft.com/office/drawing/2014/main" id="{A6712E78-5744-153B-DBAF-FD41212CC8C7}"/>
+            </a:ext>
+          </a:extLst>
+        </p:cNvPr>
+        <p:cNvGrpSpPr/>
+        <p:nvPr/>
+      </p:nvGrpSpPr>
+      <p:grpSpPr>
+        <a:xfrm>
+          <a:off x="0" y="0"/>
+          <a:ext cx="0" cy="0"/>
+          <a:chOff x="0" y="0"/>
+          <a:chExt cx="0" cy="0"/>
+        </a:xfrm>
+      </p:grpSpPr>
+      <p:sp>
+        <p:nvSpPr>
+          <p:cNvPr id="2" name="Title 1">
+            <a:extLst>
+              <a:ext uri="{FF2B5EF4-FFF2-40B4-BE49-F238E27FC236}">
+                <a16:creationId xmlns:a16="http://schemas.microsoft.com/office/drawing/2014/main" id="{9A3B03E1-FCEE-85FD-CB69-6912290B7B88}"/>
+              </a:ext>
+            </a:extLst>
+          </p:cNvPr>
+          <p:cNvSpPr>
+            <a:spLocks noGrp="1"/>
+          </p:cNvSpPr>
+          <p:nvPr>
+            <p:ph type="title"/>
+          </p:nvPr>
+        </p:nvSpPr>
+        <p:spPr>
+          <a:xfrm>
+            <a:off x="3661408" y="4661717"/>
+            <a:ext cx="8349081" cy="1380760"/>
+          </a:xfrm>
+        </p:spPr>
+        <p:txBody>
+          <a:bodyPr anchor="b">
+            <a:normAutofit/>
+          </a:bodyPr>
+          <a:lstStyle/>
+          <a:p>
+            <a:endParaRPr lang="en-US" dirty="0"/>
+          </a:p>
+        </p:txBody>
+      </p:sp>
+      <p:pic>
+        <p:nvPicPr>
+          <p:cNvPr id="5" name="Picture 4">
+            <a:extLst>
+              <a:ext uri="{FF2B5EF4-FFF2-40B4-BE49-F238E27FC236}">
+                <a16:creationId xmlns:a16="http://schemas.microsoft.com/office/drawing/2014/main" id="{C8C0D447-4151-7C46-D39B-846A3767E287}"/>
+              </a:ext>
+            </a:extLst>
+          </p:cNvPr>
+          <p:cNvPicPr>
+            <a:picLocks noChangeAspect="1"/>
+          </p:cNvPicPr>
+          <p:nvPr/>
+        </p:nvPicPr>
+        <p:blipFill>
+          <a:blip r:embed="rId3"/>
+          <a:stretch>
+            <a:fillRect/>
+          </a:stretch>
+        </p:blipFill>
+        <p:spPr>
+          <a:xfrm>
+            <a:off x="2050990" y="425953"/>
+            <a:ext cx="7480257" cy="5419370"/>
+          </a:xfrm>
+          <a:prstGeom prst="rect">
+            <a:avLst/>
+          </a:prstGeom>
+        </p:spPr>
+      </p:pic>
+    </p:spTree>
+    <p:extLst>
+      <p:ext uri="{BB962C8B-B14F-4D97-AF65-F5344CB8AC3E}">
+        <p14:creationId xmlns:p14="http://schemas.microsoft.com/office/powerpoint/2010/main" val="3603682249"/>
+      </p:ext>
+    </p:extLst>
+  </p:cSld>
+  <p:clrMapOvr>
+    <a:masterClrMapping/>
+  </p:clrMapOvr>
+</p:sld>
+</file>
+
+<file path=ppt/slides/slide7.xml><?xml version="1.0" encoding="utf-8"?>
+<p:sld xmlns:a="http://schemas.openxmlformats.org/drawingml/2006/main" xmlns:r="http://schemas.openxmlformats.org/officeDocument/2006/relationships" xmlns:p="http://schemas.openxmlformats.org/presentationml/2006/main">
+  <p:cSld>
+    <p:bg>
+      <p:bgPr>
+        <a:solidFill>
+          <a:schemeClr val="accent3"/>
+        </a:solidFill>
+        <a:effectLst/>
+      </p:bgPr>
+    </p:bg>
     <p:spTree>
       <p:nvGrpSpPr>
         <p:cNvPr id="1" name="">
@@ -10343,10 +10525,10 @@
       </p:grpSpPr>
       <p:pic>
         <p:nvPicPr>
-          <p:cNvPr id="3" name="Picture 2" descr="A logo of a company&#10;&#10;AI-generated content may be incorrect.">
+          <p:cNvPr id="6" name="Picture 5" descr="A logo of a company&#10;&#10;AI-generated content may be incorrect.">
             <a:extLst>
               <a:ext uri="{FF2B5EF4-FFF2-40B4-BE49-F238E27FC236}">
-                <a16:creationId xmlns:a16="http://schemas.microsoft.com/office/drawing/2014/main" id="{FB93E816-8179-C822-AF69-D3BA225ECDB3}"/>
+                <a16:creationId xmlns:a16="http://schemas.microsoft.com/office/drawing/2014/main" id="{65F04700-82E3-A78A-805E-039DF9FCB206}"/>
               </a:ext>
             </a:extLst>
           </p:cNvPr>
@@ -10369,8 +10551,116 @@
         </p:blipFill>
         <p:spPr>
           <a:xfrm>
-            <a:off x="3238500" y="571500"/>
-            <a:ext cx="5715000" cy="5715000"/>
+            <a:off x="1096108" y="-204317"/>
+            <a:ext cx="3810000" cy="3810000"/>
+          </a:xfrm>
+          <a:prstGeom prst="rect">
+            <a:avLst/>
+          </a:prstGeom>
+        </p:spPr>
+      </p:pic>
+      <p:pic>
+        <p:nvPicPr>
+          <p:cNvPr id="8" name="Picture 7" descr="An orange arrow on a black background&#10;&#10;AI-generated content may be incorrect.">
+            <a:extLst>
+              <a:ext uri="{FF2B5EF4-FFF2-40B4-BE49-F238E27FC236}">
+                <a16:creationId xmlns:a16="http://schemas.microsoft.com/office/drawing/2014/main" id="{F17893AA-060D-2390-5057-27BA0D291B9A}"/>
+              </a:ext>
+            </a:extLst>
+          </p:cNvPr>
+          <p:cNvPicPr>
+            <a:picLocks noChangeAspect="1"/>
+          </p:cNvPicPr>
+          <p:nvPr/>
+        </p:nvPicPr>
+        <p:blipFill>
+          <a:blip r:embed="rId4">
+            <a:extLst>
+              <a:ext uri="{28A0092B-C50C-407E-A947-70E740481C1C}">
+                <a14:useLocalDpi xmlns:a14="http://schemas.microsoft.com/office/drawing/2010/main" val="0"/>
+              </a:ext>
+            </a:extLst>
+          </a:blip>
+          <a:stretch>
+            <a:fillRect/>
+          </a:stretch>
+        </p:blipFill>
+        <p:spPr>
+          <a:xfrm>
+            <a:off x="6665801" y="1359730"/>
+            <a:ext cx="3932254" cy="1184592"/>
+          </a:xfrm>
+          <a:prstGeom prst="rect">
+            <a:avLst/>
+          </a:prstGeom>
+        </p:spPr>
+      </p:pic>
+      <p:pic>
+        <p:nvPicPr>
+          <p:cNvPr id="18" name="Picture 17" descr="A black text with a yellow hexagon&#10;&#10;AI-generated content may be incorrect.">
+            <a:extLst>
+              <a:ext uri="{FF2B5EF4-FFF2-40B4-BE49-F238E27FC236}">
+                <a16:creationId xmlns:a16="http://schemas.microsoft.com/office/drawing/2014/main" id="{44D26661-B230-B225-062D-173C6CB0FC76}"/>
+              </a:ext>
+            </a:extLst>
+          </p:cNvPr>
+          <p:cNvPicPr>
+            <a:picLocks noChangeAspect="1"/>
+          </p:cNvPicPr>
+          <p:nvPr/>
+        </p:nvPicPr>
+        <p:blipFill>
+          <a:blip r:embed="rId5">
+            <a:extLst>
+              <a:ext uri="{28A0092B-C50C-407E-A947-70E740481C1C}">
+                <a14:useLocalDpi xmlns:a14="http://schemas.microsoft.com/office/drawing/2010/main" val="0"/>
+              </a:ext>
+            </a:extLst>
+          </a:blip>
+          <a:stretch>
+            <a:fillRect/>
+          </a:stretch>
+        </p:blipFill>
+        <p:spPr>
+          <a:xfrm>
+            <a:off x="1322186" y="3605683"/>
+            <a:ext cx="3583922" cy="2097789"/>
+          </a:xfrm>
+          <a:prstGeom prst="rect">
+            <a:avLst/>
+          </a:prstGeom>
+        </p:spPr>
+      </p:pic>
+      <p:pic>
+        <p:nvPicPr>
+          <p:cNvPr id="20" name="Picture 19" descr="A black and red logo&#10;&#10;AI-generated content may be incorrect.">
+            <a:extLst>
+              <a:ext uri="{FF2B5EF4-FFF2-40B4-BE49-F238E27FC236}">
+                <a16:creationId xmlns:a16="http://schemas.microsoft.com/office/drawing/2014/main" id="{2B49C916-8867-A98E-C204-368621CBFD1B}"/>
+              </a:ext>
+            </a:extLst>
+          </p:cNvPr>
+          <p:cNvPicPr>
+            <a:picLocks noChangeAspect="1"/>
+          </p:cNvPicPr>
+          <p:nvPr/>
+        </p:nvPicPr>
+        <p:blipFill>
+          <a:blip r:embed="rId6">
+            <a:extLst>
+              <a:ext uri="{28A0092B-C50C-407E-A947-70E740481C1C}">
+                <a14:useLocalDpi xmlns:a14="http://schemas.microsoft.com/office/drawing/2010/main" val="0"/>
+              </a:ext>
+            </a:extLst>
+          </a:blip>
+          <a:stretch>
+            <a:fillRect/>
+          </a:stretch>
+        </p:blipFill>
+        <p:spPr>
+          <a:xfrm>
+            <a:off x="6414308" y="3316314"/>
+            <a:ext cx="4762500" cy="2676525"/>
           </a:xfrm>
           <a:prstGeom prst="rect">
             <a:avLst/>
@@ -10390,7 +10680,115 @@
 </p:sld>
 </file>
 
-<file path=ppt/slides/slide7.xml><?xml version="1.0" encoding="utf-8"?>
+<file path=ppt/slides/slide8.xml><?xml version="1.0" encoding="utf-8"?>
+<p:sld xmlns:a="http://schemas.openxmlformats.org/drawingml/2006/main" xmlns:r="http://schemas.openxmlformats.org/officeDocument/2006/relationships" xmlns:p="http://schemas.openxmlformats.org/presentationml/2006/main">
+  <p:cSld>
+    <p:spTree>
+      <p:nvGrpSpPr>
+        <p:cNvPr id="1" name="">
+          <a:extLst>
+            <a:ext uri="{FF2B5EF4-FFF2-40B4-BE49-F238E27FC236}">
+              <a16:creationId xmlns:a16="http://schemas.microsoft.com/office/drawing/2014/main" id="{7C123E0D-6ABB-2076-92A1-6F9DBD6C9D22}"/>
+            </a:ext>
+          </a:extLst>
+        </p:cNvPr>
+        <p:cNvGrpSpPr/>
+        <p:nvPr/>
+      </p:nvGrpSpPr>
+      <p:grpSpPr>
+        <a:xfrm>
+          <a:off x="0" y="0"/>
+          <a:ext cx="0" cy="0"/>
+          <a:chOff x="0" y="0"/>
+          <a:chExt cx="0" cy="0"/>
+        </a:xfrm>
+      </p:grpSpPr>
+      <p:sp>
+        <p:nvSpPr>
+          <p:cNvPr id="3" name="Title 1">
+            <a:extLst>
+              <a:ext uri="{FF2B5EF4-FFF2-40B4-BE49-F238E27FC236}">
+                <a16:creationId xmlns:a16="http://schemas.microsoft.com/office/drawing/2014/main" id="{B2E4123A-75CA-6F8E-E268-67D1877F1C00}"/>
+              </a:ext>
+            </a:extLst>
+          </p:cNvPr>
+          <p:cNvSpPr>
+            <a:spLocks noGrp="1"/>
+          </p:cNvSpPr>
+          <p:nvPr>
+            <p:ph type="ctrTitle"/>
+          </p:nvPr>
+        </p:nvSpPr>
+        <p:spPr>
+          <a:xfrm>
+            <a:off x="594360" y="411479"/>
+            <a:ext cx="5486400" cy="3291840"/>
+          </a:xfrm>
+        </p:spPr>
+        <p:txBody>
+          <a:bodyPr/>
+          <a:lstStyle/>
+          <a:p>
+            <a:r>
+              <a:rPr lang="en-US" dirty="0"/>
+              <a:t>Thank you</a:t>
+            </a:r>
+          </a:p>
+        </p:txBody>
+      </p:sp>
+      <p:sp>
+        <p:nvSpPr>
+          <p:cNvPr id="4" name="Text Placeholder 2">
+            <a:extLst>
+              <a:ext uri="{FF2B5EF4-FFF2-40B4-BE49-F238E27FC236}">
+                <a16:creationId xmlns:a16="http://schemas.microsoft.com/office/drawing/2014/main" id="{6501914B-6514-B26A-14DC-70AA10D6D74E}"/>
+              </a:ext>
+            </a:extLst>
+          </p:cNvPr>
+          <p:cNvSpPr>
+            <a:spLocks noGrp="1"/>
+          </p:cNvSpPr>
+          <p:nvPr>
+            <p:ph type="body" sz="quarter" idx="11"/>
+          </p:nvPr>
+        </p:nvSpPr>
+        <p:spPr>
+          <a:xfrm>
+            <a:off x="609600" y="4210505"/>
+            <a:ext cx="5486400" cy="1645920"/>
+          </a:xfrm>
+        </p:spPr>
+        <p:txBody>
+          <a:bodyPr/>
+          <a:lstStyle/>
+          <a:p>
+            <a:r>
+              <a:rPr lang="en-US" dirty="0"/>
+              <a:t>Todd Carter – V01187982</a:t>
+            </a:r>
+          </a:p>
+          <a:p>
+            <a:r>
+              <a:rPr lang="en-US" dirty="0"/>
+              <a:t>cart7982@vandals.uidaho.edu</a:t>
+            </a:r>
+          </a:p>
+        </p:txBody>
+      </p:sp>
+    </p:spTree>
+    <p:extLst>
+      <p:ext uri="{BB962C8B-B14F-4D97-AF65-F5344CB8AC3E}">
+        <p14:creationId xmlns:p14="http://schemas.microsoft.com/office/powerpoint/2010/main" val="3366643414"/>
+      </p:ext>
+    </p:extLst>
+  </p:cSld>
+  <p:clrMapOvr>
+    <a:masterClrMapping/>
+  </p:clrMapOvr>
+</p:sld>
+</file>
+
+<file path=ppt/slides/slide9.xml><?xml version="1.0" encoding="utf-8"?>
 <p:sld xmlns:a="http://schemas.openxmlformats.org/drawingml/2006/main" xmlns:r="http://schemas.openxmlformats.org/officeDocument/2006/relationships" xmlns:p="http://schemas.openxmlformats.org/presentationml/2006/main">
   <p:cSld>
     <p:spTree>
@@ -10461,18 +10859,18 @@
         <p:spPr>
           <a:xfrm>
             <a:off x="594359" y="2281918"/>
-            <a:ext cx="6787747" cy="3708517"/>
+            <a:ext cx="6787747" cy="4323981"/>
           </a:xfrm>
         </p:spPr>
         <p:txBody>
           <a:bodyPr>
-            <a:normAutofit/>
+            <a:normAutofit fontScale="92500" lnSpcReduction="20000"/>
           </a:bodyPr>
           <a:lstStyle/>
           <a:p>
             <a:r>
               <a:rPr lang="en-US" sz="1800" dirty="0"/>
-              <a:t>Image of PCIe slots: https://www.cgdirector.com/types-of-pcie-slots/</a:t>
+              <a:t>Image of PCIe slots: “All Types Of PCIe Slots Explained &amp; Compared” by Christopher Harper, https://www.cgdirector.com/types-of-pcie-slots/</a:t>
             </a:r>
           </a:p>
           <a:p>
@@ -10486,23 +10884,81 @@
             </a:r>
             <a:r>
               <a:rPr lang="en-US" sz="1800" dirty="0"/>
-              <a:t>: https://www.tweaktown.com/news/75535/asus-reveals-its-new-geforce-rtx-3070-tuf-gaming-series/index.html502-555-0152</a:t>
+              <a:t>:”ASUS reveals its new GeForce RTX 3070 TUF GAMING series” by Anthony </a:t>
             </a:r>
-          </a:p>
-          <a:p>
             <a:r>
-              <a:rPr lang="en-US" sz="1800" dirty="0"/>
-              <a:t>Image of raytracing example: https://www.ionos.ca/digitalguide/server/know-how/ray-tracing/www.firstupconsultants.com</a:t>
-            </a:r>
-          </a:p>
-          <a:p>
-            <a:r>
-              <a:rPr lang="en-US" sz="1800"/>
-              <a:t>Logo: https</a:t>
+              <a:rPr lang="en-US" sz="1800" dirty="0" err="1"/>
+              <a:t>Garrefa</a:t>
             </a:r>
             <a:r>
               <a:rPr lang="en-US" sz="1800" dirty="0"/>
-              <a:t>://www.newegg.com/</a:t>
+              <a:t>,  https://www.tweaktown.com/news/75535/asus-reveals-its-new-geforce-rtx-3070-tuf-gaming-series/index.html502-555-0152</a:t>
+            </a:r>
+          </a:p>
+          <a:p>
+            <a:r>
+              <a:rPr lang="en-US" sz="1800" dirty="0"/>
+              <a:t>Image of raytracing </a:t>
+            </a:r>
+            <a:r>
+              <a:rPr lang="en-US" sz="1800" dirty="0" err="1"/>
+              <a:t>example:”What</a:t>
+            </a:r>
+            <a:r>
+              <a:rPr lang="en-US" sz="1800" dirty="0"/>
+              <a:t> is ray tracing? The graphics technique explained!” by IONOS,  https://www.ionos.ca/digitalguide/server/know-how/ray-tracing/</a:t>
+            </a:r>
+          </a:p>
+          <a:p>
+            <a:r>
+              <a:rPr lang="en-US" sz="1800" dirty="0"/>
+              <a:t>RTX 30-series chart: “Nvidia GeForce RTX 3090 vs 3080 vs 3070 vs 3060” by Marshall </a:t>
+            </a:r>
+            <a:r>
+              <a:rPr lang="en-US" sz="1800" dirty="0" err="1"/>
+              <a:t>Honorof</a:t>
+            </a:r>
+            <a:r>
+              <a:rPr lang="en-US" sz="1800"/>
+              <a:t>, https</a:t>
+            </a:r>
+            <a:r>
+              <a:rPr lang="en-US" sz="1800" dirty="0"/>
+              <a:t>://www.tomsguide.com/news/nvidia-geforce-rtx-comparison</a:t>
+            </a:r>
+          </a:p>
+          <a:p>
+            <a:r>
+              <a:rPr lang="en-US" sz="1800" dirty="0"/>
+              <a:t>Logos: </a:t>
+            </a:r>
+          </a:p>
+          <a:p>
+            <a:pPr lvl="1"/>
+            <a:r>
+              <a:rPr lang="en-US" sz="1400" dirty="0"/>
+              <a:t>https://www.newegg.com/</a:t>
+            </a:r>
+          </a:p>
+          <a:p>
+            <a:pPr lvl="1"/>
+            <a:r>
+              <a:rPr lang="en-US" sz="1400" dirty="0"/>
+              <a:t>https://www.amazon.com/</a:t>
+            </a:r>
+          </a:p>
+          <a:p>
+            <a:pPr lvl="1"/>
+            <a:r>
+              <a:rPr lang="en-US" sz="1400" dirty="0"/>
+              <a:t>https://www.bestbuy.com/</a:t>
+            </a:r>
+          </a:p>
+          <a:p>
+            <a:pPr lvl="1"/>
+            <a:r>
+              <a:rPr lang="en-US" sz="1400" dirty="0"/>
+              <a:t>https://www.gamestop.com/</a:t>
             </a:r>
           </a:p>
         </p:txBody>
